--- a/Bank Churners Demo.pptx
+++ b/Bank Churners Demo.pptx
@@ -5,15 +5,17 @@
     <p:sldMasterId id="2147483648" r:id="rId1"/>
   </p:sldMasterIdLst>
   <p:notesMasterIdLst>
-    <p:notesMasterId r:id="rId8"/>
+    <p:notesMasterId r:id="rId10"/>
   </p:notesMasterIdLst>
   <p:sldIdLst>
     <p:sldId id="256" r:id="rId2"/>
     <p:sldId id="257" r:id="rId3"/>
     <p:sldId id="258" r:id="rId4"/>
     <p:sldId id="259" r:id="rId5"/>
-    <p:sldId id="261" r:id="rId6"/>
-    <p:sldId id="260" r:id="rId7"/>
+    <p:sldId id="262" r:id="rId6"/>
+    <p:sldId id="261" r:id="rId7"/>
+    <p:sldId id="263" r:id="rId8"/>
+    <p:sldId id="260" r:id="rId9"/>
   </p:sldIdLst>
   <p:sldSz cx="12192000" cy="6858000"/>
   <p:notesSz cx="6858000" cy="9144000"/>
@@ -4530,7 +4532,7 @@
             </a:pPr>
             <a:r>
               <a:rPr lang="nl-BE" dirty="0"/>
-              <a:t>Only local (for now):</a:t>
+              <a:t>Explainerdashboard:</a:t>
             </a:r>
           </a:p>
           <a:p>
@@ -4560,6 +4562,15 @@
               <a:buNone/>
             </a:pPr>
             <a:endParaRPr lang="nl-BE" dirty="0"/>
+          </a:p>
+          <a:p>
+            <a:pPr marL="0" indent="0">
+              <a:buNone/>
+            </a:pPr>
+            <a:r>
+              <a:rPr lang="nl-BE" dirty="0"/>
+              <a:t>	(For now only available locally)</a:t>
+            </a:r>
           </a:p>
         </p:txBody>
       </p:sp>
@@ -4656,7 +4667,7 @@
           <p:cNvPr id="2" name="Titel 1">
             <a:extLst>
               <a:ext uri="{FF2B5EF4-FFF2-40B4-BE49-F238E27FC236}">
-                <a16:creationId xmlns:a16="http://schemas.microsoft.com/office/drawing/2014/main" id="{419211CB-5F2D-9141-A3CC-82CDA2CE619E}"/>
+                <a16:creationId xmlns:a16="http://schemas.microsoft.com/office/drawing/2014/main" id="{0590365D-607B-EB43-8822-905ACB188A01}"/>
               </a:ext>
             </a:extLst>
           </p:cNvPr>
@@ -4674,7 +4685,7 @@
           <a:p>
             <a:r>
               <a:rPr lang="nl-BE" dirty="0"/>
-              <a:t>Issues to be solved</a:t>
+              <a:t>To be done</a:t>
             </a:r>
           </a:p>
         </p:txBody>
@@ -4684,7 +4695,7 @@
           <p:cNvPr id="3" name="Tijdelijke aanduiding voor inhoud 2">
             <a:extLst>
               <a:ext uri="{FF2B5EF4-FFF2-40B4-BE49-F238E27FC236}">
-                <a16:creationId xmlns:a16="http://schemas.microsoft.com/office/drawing/2014/main" id="{69254E7E-1BDF-A64E-874F-B2438DCFB163}"/>
+                <a16:creationId xmlns:a16="http://schemas.microsoft.com/office/drawing/2014/main" id="{E60C48D5-FDE7-7B4D-9BF6-76AD21128BD0}"/>
               </a:ext>
             </a:extLst>
           </p:cNvPr>
@@ -4703,9 +4714,24 @@
             <a:pPr marL="0" indent="0">
               <a:buNone/>
             </a:pPr>
+            <a:endParaRPr lang="nl-BE" dirty="0"/>
+          </a:p>
+          <a:p>
+            <a:pPr marL="0" indent="0">
+              <a:buNone/>
+            </a:pPr>
             <a:r>
               <a:rPr lang="nl-BE" dirty="0"/>
-              <a:t>Docker: local time-out</a:t>
+              <a:t>Optimize the model:</a:t>
+            </a:r>
+          </a:p>
+          <a:p>
+            <a:pPr marL="0" indent="0">
+              <a:buNone/>
+            </a:pPr>
+            <a:r>
+              <a:rPr lang="nl-BE" dirty="0"/>
+              <a:t>	Eliminate factors without influence	</a:t>
             </a:r>
           </a:p>
           <a:p>
@@ -4720,76 +4746,46 @@
             </a:pPr>
             <a:r>
               <a:rPr lang="nl-BE" dirty="0"/>
-              <a:t>Heroku: </a:t>
-            </a:r>
-          </a:p>
-        </p:txBody>
-      </p:sp>
-      <p:pic>
-        <p:nvPicPr>
-          <p:cNvPr id="5" name="Afbeelding 4">
+              <a:t>Deployment!</a:t>
+            </a:r>
+          </a:p>
+        </p:txBody>
+      </p:sp>
+      <p:sp>
+        <p:nvSpPr>
+          <p:cNvPr id="4" name="Tijdelijke aanduiding voor voettekst 3">
             <a:extLst>
               <a:ext uri="{FF2B5EF4-FFF2-40B4-BE49-F238E27FC236}">
-                <a16:creationId xmlns:a16="http://schemas.microsoft.com/office/drawing/2014/main" id="{25928871-AD2D-7849-AD11-760E28EA0643}"/>
+                <a16:creationId xmlns:a16="http://schemas.microsoft.com/office/drawing/2014/main" id="{0523A792-C201-8247-92E9-B93D62889284}"/>
               </a:ext>
             </a:extLst>
           </p:cNvPr>
-          <p:cNvPicPr>
-            <a:picLocks noChangeAspect="1"/>
-          </p:cNvPicPr>
-          <p:nvPr/>
-        </p:nvPicPr>
-        <p:blipFill>
-          <a:blip r:embed="rId2"/>
-          <a:stretch>
-            <a:fillRect/>
-          </a:stretch>
-        </p:blipFill>
-        <p:spPr>
-          <a:xfrm>
-            <a:off x="3700877" y="2908570"/>
-            <a:ext cx="4790246" cy="3058268"/>
-          </a:xfrm>
-          <a:prstGeom prst="rect">
-            <a:avLst/>
-          </a:prstGeom>
-        </p:spPr>
-      </p:pic>
-      <p:sp>
-        <p:nvSpPr>
-          <p:cNvPr id="6" name="Tijdelijke aanduiding voor voettekst 5">
+          <p:cNvSpPr>
+            <a:spLocks noGrp="1"/>
+          </p:cNvSpPr>
+          <p:nvPr>
+            <p:ph type="ftr" sz="quarter" idx="11"/>
+          </p:nvPr>
+        </p:nvSpPr>
+        <p:spPr/>
+        <p:txBody>
+          <a:bodyPr/>
+          <a:lstStyle/>
+          <a:p>
+            <a:r>
+              <a:rPr lang="en-US"/>
+              <a:t>Pauwel De Wilde - BeCode - Bauman 3.31</a:t>
+            </a:r>
+            <a:endParaRPr lang="en-US" dirty="0"/>
+          </a:p>
+        </p:txBody>
+      </p:sp>
+      <p:sp>
+        <p:nvSpPr>
+          <p:cNvPr id="5" name="Tijdelijke aanduiding voor dianummer 4">
             <a:extLst>
               <a:ext uri="{FF2B5EF4-FFF2-40B4-BE49-F238E27FC236}">
-                <a16:creationId xmlns:a16="http://schemas.microsoft.com/office/drawing/2014/main" id="{4AFC9601-9B39-3B48-ABA9-69705CF10294}"/>
-              </a:ext>
-            </a:extLst>
-          </p:cNvPr>
-          <p:cNvSpPr>
-            <a:spLocks noGrp="1"/>
-          </p:cNvSpPr>
-          <p:nvPr>
-            <p:ph type="ftr" sz="quarter" idx="11"/>
-          </p:nvPr>
-        </p:nvSpPr>
-        <p:spPr/>
-        <p:txBody>
-          <a:bodyPr/>
-          <a:lstStyle/>
-          <a:p>
-            <a:r>
-              <a:rPr lang="en-US"/>
-              <a:t>Pauwel De Wilde - BeCode - Bauman 3.31</a:t>
-            </a:r>
-            <a:endParaRPr lang="en-US" dirty="0"/>
-          </a:p>
-        </p:txBody>
-      </p:sp>
-      <p:sp>
-        <p:nvSpPr>
-          <p:cNvPr id="7" name="Tijdelijke aanduiding voor dianummer 6">
-            <a:extLst>
-              <a:ext uri="{FF2B5EF4-FFF2-40B4-BE49-F238E27FC236}">
-                <a16:creationId xmlns:a16="http://schemas.microsoft.com/office/drawing/2014/main" id="{80A8E9C7-6001-C64D-A47A-3C772EA4B2C5}"/>
+                <a16:creationId xmlns:a16="http://schemas.microsoft.com/office/drawing/2014/main" id="{99309986-61AD-E947-AB92-01ADB1FB9034}"/>
               </a:ext>
             </a:extLst>
           </p:cNvPr>
@@ -4816,7 +4812,7 @@
     </p:spTree>
     <p:extLst>
       <p:ext uri="{BB962C8B-B14F-4D97-AF65-F5344CB8AC3E}">
-        <p14:creationId xmlns:p14="http://schemas.microsoft.com/office/powerpoint/2010/main" val="1509187873"/>
+        <p14:creationId xmlns:p14="http://schemas.microsoft.com/office/powerpoint/2010/main" val="1191803076"/>
       </p:ext>
     </p:extLst>
   </p:cSld>
@@ -4848,6 +4844,355 @@
           <p:cNvPr id="2" name="Titel 1">
             <a:extLst>
               <a:ext uri="{FF2B5EF4-FFF2-40B4-BE49-F238E27FC236}">
+                <a16:creationId xmlns:a16="http://schemas.microsoft.com/office/drawing/2014/main" id="{419211CB-5F2D-9141-A3CC-82CDA2CE619E}"/>
+              </a:ext>
+            </a:extLst>
+          </p:cNvPr>
+          <p:cNvSpPr>
+            <a:spLocks noGrp="1"/>
+          </p:cNvSpPr>
+          <p:nvPr>
+            <p:ph type="title"/>
+          </p:nvPr>
+        </p:nvSpPr>
+        <p:spPr/>
+        <p:txBody>
+          <a:bodyPr/>
+          <a:lstStyle/>
+          <a:p>
+            <a:r>
+              <a:rPr lang="nl-BE" dirty="0"/>
+              <a:t>Issues to be solved</a:t>
+            </a:r>
+          </a:p>
+        </p:txBody>
+      </p:sp>
+      <p:sp>
+        <p:nvSpPr>
+          <p:cNvPr id="3" name="Tijdelijke aanduiding voor inhoud 2">
+            <a:extLst>
+              <a:ext uri="{FF2B5EF4-FFF2-40B4-BE49-F238E27FC236}">
+                <a16:creationId xmlns:a16="http://schemas.microsoft.com/office/drawing/2014/main" id="{69254E7E-1BDF-A64E-874F-B2438DCFB163}"/>
+              </a:ext>
+            </a:extLst>
+          </p:cNvPr>
+          <p:cNvSpPr>
+            <a:spLocks noGrp="1"/>
+          </p:cNvSpPr>
+          <p:nvPr>
+            <p:ph idx="1"/>
+          </p:nvPr>
+        </p:nvSpPr>
+        <p:spPr/>
+        <p:txBody>
+          <a:bodyPr/>
+          <a:lstStyle/>
+          <a:p>
+            <a:pPr marL="0" indent="0">
+              <a:buNone/>
+            </a:pPr>
+            <a:endParaRPr lang="nl-BE" dirty="0"/>
+          </a:p>
+          <a:p>
+            <a:pPr marL="0" indent="0">
+              <a:buNone/>
+            </a:pPr>
+            <a:endParaRPr lang="nl-BE" dirty="0"/>
+          </a:p>
+          <a:p>
+            <a:pPr marL="0" indent="0">
+              <a:buNone/>
+            </a:pPr>
+            <a:r>
+              <a:rPr lang="nl-BE" dirty="0"/>
+              <a:t>Docker: local time-out</a:t>
+            </a:r>
+          </a:p>
+          <a:p>
+            <a:pPr marL="0" indent="0">
+              <a:buNone/>
+            </a:pPr>
+            <a:endParaRPr lang="nl-BE" dirty="0"/>
+          </a:p>
+          <a:p>
+            <a:pPr marL="0" indent="0">
+              <a:buNone/>
+            </a:pPr>
+            <a:r>
+              <a:rPr lang="nl-BE" dirty="0"/>
+              <a:t>Heroku</a:t>
+            </a:r>
+          </a:p>
+        </p:txBody>
+      </p:sp>
+      <p:sp>
+        <p:nvSpPr>
+          <p:cNvPr id="6" name="Tijdelijke aanduiding voor voettekst 5">
+            <a:extLst>
+              <a:ext uri="{FF2B5EF4-FFF2-40B4-BE49-F238E27FC236}">
+                <a16:creationId xmlns:a16="http://schemas.microsoft.com/office/drawing/2014/main" id="{4AFC9601-9B39-3B48-ABA9-69705CF10294}"/>
+              </a:ext>
+            </a:extLst>
+          </p:cNvPr>
+          <p:cNvSpPr>
+            <a:spLocks noGrp="1"/>
+          </p:cNvSpPr>
+          <p:nvPr>
+            <p:ph type="ftr" sz="quarter" idx="11"/>
+          </p:nvPr>
+        </p:nvSpPr>
+        <p:spPr/>
+        <p:txBody>
+          <a:bodyPr/>
+          <a:lstStyle/>
+          <a:p>
+            <a:r>
+              <a:rPr lang="en-US"/>
+              <a:t>Pauwel De Wilde - BeCode - Bauman 3.31</a:t>
+            </a:r>
+            <a:endParaRPr lang="en-US" dirty="0"/>
+          </a:p>
+        </p:txBody>
+      </p:sp>
+      <p:sp>
+        <p:nvSpPr>
+          <p:cNvPr id="7" name="Tijdelijke aanduiding voor dianummer 6">
+            <a:extLst>
+              <a:ext uri="{FF2B5EF4-FFF2-40B4-BE49-F238E27FC236}">
+                <a16:creationId xmlns:a16="http://schemas.microsoft.com/office/drawing/2014/main" id="{80A8E9C7-6001-C64D-A47A-3C772EA4B2C5}"/>
+              </a:ext>
+            </a:extLst>
+          </p:cNvPr>
+          <p:cNvSpPr>
+            <a:spLocks noGrp="1"/>
+          </p:cNvSpPr>
+          <p:nvPr>
+            <p:ph type="sldNum" sz="quarter" idx="12"/>
+          </p:nvPr>
+        </p:nvSpPr>
+        <p:spPr/>
+        <p:txBody>
+          <a:bodyPr/>
+          <a:lstStyle/>
+          <a:p>
+            <a:fld id="{6D22F896-40B5-4ADD-8801-0D06FADFA095}" type="slidenum">
+              <a:rPr lang="en-US" smtClean="0"/>
+              <a:t>6</a:t>
+            </a:fld>
+            <a:endParaRPr lang="en-US" dirty="0"/>
+          </a:p>
+        </p:txBody>
+      </p:sp>
+    </p:spTree>
+    <p:extLst>
+      <p:ext uri="{BB962C8B-B14F-4D97-AF65-F5344CB8AC3E}">
+        <p14:creationId xmlns:p14="http://schemas.microsoft.com/office/powerpoint/2010/main" val="1509187873"/>
+      </p:ext>
+    </p:extLst>
+  </p:cSld>
+  <p:clrMapOvr>
+    <a:masterClrMapping/>
+  </p:clrMapOvr>
+</p:sld>
+</file>
+
+<file path=ppt/slides/slide7.xml><?xml version="1.0" encoding="utf-8"?>
+<p:sld xmlns:a="http://schemas.openxmlformats.org/drawingml/2006/main" xmlns:r="http://schemas.openxmlformats.org/officeDocument/2006/relationships" xmlns:p="http://schemas.openxmlformats.org/presentationml/2006/main">
+  <p:cSld>
+    <p:spTree>
+      <p:nvGrpSpPr>
+        <p:cNvPr id="1" name=""/>
+        <p:cNvGrpSpPr/>
+        <p:nvPr/>
+      </p:nvGrpSpPr>
+      <p:grpSpPr>
+        <a:xfrm>
+          <a:off x="0" y="0"/>
+          <a:ext cx="0" cy="0"/>
+          <a:chOff x="0" y="0"/>
+          <a:chExt cx="0" cy="0"/>
+        </a:xfrm>
+      </p:grpSpPr>
+      <p:sp>
+        <p:nvSpPr>
+          <p:cNvPr id="2" name="Titel 1">
+            <a:extLst>
+              <a:ext uri="{FF2B5EF4-FFF2-40B4-BE49-F238E27FC236}">
+                <a16:creationId xmlns:a16="http://schemas.microsoft.com/office/drawing/2014/main" id="{16DC750E-7800-7C4A-A398-A7C04DE66A0E}"/>
+              </a:ext>
+            </a:extLst>
+          </p:cNvPr>
+          <p:cNvSpPr>
+            <a:spLocks noGrp="1"/>
+          </p:cNvSpPr>
+          <p:nvPr>
+            <p:ph type="title"/>
+          </p:nvPr>
+        </p:nvSpPr>
+        <p:spPr/>
+        <p:txBody>
+          <a:bodyPr/>
+          <a:lstStyle/>
+          <a:p>
+            <a:r>
+              <a:rPr lang="nl-BE" dirty="0"/>
+              <a:t>Heroku</a:t>
+            </a:r>
+          </a:p>
+        </p:txBody>
+      </p:sp>
+      <p:pic>
+        <p:nvPicPr>
+          <p:cNvPr id="7" name="Tijdelijke aanduiding voor inhoud 6">
+            <a:extLst>
+              <a:ext uri="{FF2B5EF4-FFF2-40B4-BE49-F238E27FC236}">
+                <a16:creationId xmlns:a16="http://schemas.microsoft.com/office/drawing/2014/main" id="{E2BB372F-A254-9647-9702-8BCB8E769AA7}"/>
+              </a:ext>
+            </a:extLst>
+          </p:cNvPr>
+          <p:cNvPicPr>
+            <a:picLocks noGrp="1" noChangeAspect="1"/>
+          </p:cNvPicPr>
+          <p:nvPr>
+            <p:ph idx="1"/>
+          </p:nvPr>
+        </p:nvPicPr>
+        <p:blipFill>
+          <a:blip r:embed="rId2"/>
+          <a:stretch>
+            <a:fillRect/>
+          </a:stretch>
+        </p:blipFill>
+        <p:spPr>
+          <a:xfrm>
+            <a:off x="8573334" y="4331837"/>
+            <a:ext cx="2638626" cy="1684595"/>
+          </a:xfrm>
+        </p:spPr>
+      </p:pic>
+      <p:sp>
+        <p:nvSpPr>
+          <p:cNvPr id="4" name="Tijdelijke aanduiding voor voettekst 3">
+            <a:extLst>
+              <a:ext uri="{FF2B5EF4-FFF2-40B4-BE49-F238E27FC236}">
+                <a16:creationId xmlns:a16="http://schemas.microsoft.com/office/drawing/2014/main" id="{1C1C0986-F281-4048-BDAE-D44864759905}"/>
+              </a:ext>
+            </a:extLst>
+          </p:cNvPr>
+          <p:cNvSpPr>
+            <a:spLocks noGrp="1"/>
+          </p:cNvSpPr>
+          <p:nvPr>
+            <p:ph type="ftr" sz="quarter" idx="11"/>
+          </p:nvPr>
+        </p:nvSpPr>
+        <p:spPr/>
+        <p:txBody>
+          <a:bodyPr/>
+          <a:lstStyle/>
+          <a:p>
+            <a:r>
+              <a:rPr lang="en-US"/>
+              <a:t>Pauwel De Wilde - BeCode - Bauman 3.31</a:t>
+            </a:r>
+            <a:endParaRPr lang="en-US" dirty="0"/>
+          </a:p>
+        </p:txBody>
+      </p:sp>
+      <p:sp>
+        <p:nvSpPr>
+          <p:cNvPr id="5" name="Tijdelijke aanduiding voor dianummer 4">
+            <a:extLst>
+              <a:ext uri="{FF2B5EF4-FFF2-40B4-BE49-F238E27FC236}">
+                <a16:creationId xmlns:a16="http://schemas.microsoft.com/office/drawing/2014/main" id="{63166373-F718-C341-8544-31995E1F055B}"/>
+              </a:ext>
+            </a:extLst>
+          </p:cNvPr>
+          <p:cNvSpPr>
+            <a:spLocks noGrp="1"/>
+          </p:cNvSpPr>
+          <p:nvPr>
+            <p:ph type="sldNum" sz="quarter" idx="12"/>
+          </p:nvPr>
+        </p:nvSpPr>
+        <p:spPr/>
+        <p:txBody>
+          <a:bodyPr/>
+          <a:lstStyle/>
+          <a:p>
+            <a:fld id="{6D22F896-40B5-4ADD-8801-0D06FADFA095}" type="slidenum">
+              <a:rPr lang="en-US" smtClean="0"/>
+              <a:t>7</a:t>
+            </a:fld>
+            <a:endParaRPr lang="en-US" dirty="0"/>
+          </a:p>
+        </p:txBody>
+      </p:sp>
+      <p:pic>
+        <p:nvPicPr>
+          <p:cNvPr id="9" name="Afbeelding 8">
+            <a:extLst>
+              <a:ext uri="{FF2B5EF4-FFF2-40B4-BE49-F238E27FC236}">
+                <a16:creationId xmlns:a16="http://schemas.microsoft.com/office/drawing/2014/main" id="{488B1578-7D47-5648-BAF6-581FF6CBCBC1}"/>
+              </a:ext>
+            </a:extLst>
+          </p:cNvPr>
+          <p:cNvPicPr>
+            <a:picLocks noChangeAspect="1"/>
+          </p:cNvPicPr>
+          <p:nvPr/>
+        </p:nvPicPr>
+        <p:blipFill>
+          <a:blip r:embed="rId3"/>
+          <a:stretch>
+            <a:fillRect/>
+          </a:stretch>
+        </p:blipFill>
+        <p:spPr>
+          <a:xfrm>
+            <a:off x="0" y="1919710"/>
+            <a:ext cx="12192000" cy="2376029"/>
+          </a:xfrm>
+          <a:prstGeom prst="rect">
+            <a:avLst/>
+          </a:prstGeom>
+        </p:spPr>
+      </p:pic>
+    </p:spTree>
+    <p:extLst>
+      <p:ext uri="{BB962C8B-B14F-4D97-AF65-F5344CB8AC3E}">
+        <p14:creationId xmlns:p14="http://schemas.microsoft.com/office/powerpoint/2010/main" val="44132181"/>
+      </p:ext>
+    </p:extLst>
+  </p:cSld>
+  <p:clrMapOvr>
+    <a:masterClrMapping/>
+  </p:clrMapOvr>
+</p:sld>
+</file>
+
+<file path=ppt/slides/slide8.xml><?xml version="1.0" encoding="utf-8"?>
+<p:sld xmlns:a="http://schemas.openxmlformats.org/drawingml/2006/main" xmlns:r="http://schemas.openxmlformats.org/officeDocument/2006/relationships" xmlns:p="http://schemas.openxmlformats.org/presentationml/2006/main">
+  <p:cSld>
+    <p:spTree>
+      <p:nvGrpSpPr>
+        <p:cNvPr id="1" name=""/>
+        <p:cNvGrpSpPr/>
+        <p:nvPr/>
+      </p:nvGrpSpPr>
+      <p:grpSpPr>
+        <a:xfrm>
+          <a:off x="0" y="0"/>
+          <a:ext cx="0" cy="0"/>
+          <a:chOff x="0" y="0"/>
+          <a:chExt cx="0" cy="0"/>
+        </a:xfrm>
+      </p:grpSpPr>
+      <p:sp>
+        <p:nvSpPr>
+          <p:cNvPr id="2" name="Titel 1">
+            <a:extLst>
+              <a:ext uri="{FF2B5EF4-FFF2-40B4-BE49-F238E27FC236}">
                 <a16:creationId xmlns:a16="http://schemas.microsoft.com/office/drawing/2014/main" id="{07581307-6FCC-1441-91B3-109155771371}"/>
               </a:ext>
             </a:extLst>
@@ -4906,7 +5251,7 @@
             </a:pPr>
             <a:r>
               <a:rPr lang="nl-BE" dirty="0"/>
-              <a:t>	joblib (.yaml)?</a:t>
+              <a:t>	directly load joblib / yaml?</a:t>
             </a:r>
           </a:p>
           <a:p>
@@ -4922,15 +5267,6 @@
             <a:pPr marL="0" indent="0">
               <a:buNone/>
             </a:pPr>
-            <a:r>
-              <a:rPr lang="nl-BE" dirty="0"/>
-              <a:t>	…</a:t>
-            </a:r>
-          </a:p>
-          <a:p>
-            <a:pPr marL="0" indent="0">
-              <a:buNone/>
-            </a:pPr>
             <a:endParaRPr lang="nl-BE" dirty="0"/>
           </a:p>
           <a:p>
@@ -4949,6 +5285,15 @@
             <a:r>
               <a:rPr lang="nl-BE" dirty="0"/>
               <a:t>	drop SHAP values, serialize, …</a:t>
+            </a:r>
+          </a:p>
+          <a:p>
+            <a:pPr marL="0" indent="0">
+              <a:buNone/>
+            </a:pPr>
+            <a:r>
+              <a:rPr lang="nl-BE" dirty="0"/>
+              <a:t>	Save the cleaned database seperately and load</a:t>
             </a:r>
           </a:p>
         </p:txBody>
@@ -5005,7 +5350,7 @@
           <a:p>
             <a:fld id="{6D22F896-40B5-4ADD-8801-0D06FADFA095}" type="slidenum">
               <a:rPr lang="en-US" smtClean="0"/>
-              <a:t>6</a:t>
+              <a:t>8</a:t>
             </a:fld>
             <a:endParaRPr lang="en-US" dirty="0"/>
           </a:p>

--- a/Bank Churners Demo.pptx
+++ b/Bank Churners Demo.pptx
@@ -5,7 +5,7 @@
     <p:sldMasterId id="2147483648" r:id="rId1"/>
   </p:sldMasterIdLst>
   <p:notesMasterIdLst>
-    <p:notesMasterId r:id="rId10"/>
+    <p:notesMasterId r:id="rId11"/>
   </p:notesMasterIdLst>
   <p:sldIdLst>
     <p:sldId id="256" r:id="rId2"/>
@@ -16,6 +16,7 @@
     <p:sldId id="261" r:id="rId7"/>
     <p:sldId id="263" r:id="rId8"/>
     <p:sldId id="260" r:id="rId9"/>
+    <p:sldId id="264" r:id="rId10"/>
   </p:sldIdLst>
   <p:sldSz cx="12192000" cy="6858000"/>
   <p:notesSz cx="6858000" cy="9144000"/>
@@ -5360,6 +5361,171 @@
     <p:extLst>
       <p:ext uri="{BB962C8B-B14F-4D97-AF65-F5344CB8AC3E}">
         <p14:creationId xmlns:p14="http://schemas.microsoft.com/office/powerpoint/2010/main" val="3194010691"/>
+      </p:ext>
+    </p:extLst>
+  </p:cSld>
+  <p:clrMapOvr>
+    <a:masterClrMapping/>
+  </p:clrMapOvr>
+</p:sld>
+</file>
+
+<file path=ppt/slides/slide9.xml><?xml version="1.0" encoding="utf-8"?>
+<p:sld xmlns:a="http://schemas.openxmlformats.org/drawingml/2006/main" xmlns:r="http://schemas.openxmlformats.org/officeDocument/2006/relationships" xmlns:p="http://schemas.openxmlformats.org/presentationml/2006/main">
+  <p:cSld>
+    <p:spTree>
+      <p:nvGrpSpPr>
+        <p:cNvPr id="1" name=""/>
+        <p:cNvGrpSpPr/>
+        <p:nvPr/>
+      </p:nvGrpSpPr>
+      <p:grpSpPr>
+        <a:xfrm>
+          <a:off x="0" y="0"/>
+          <a:ext cx="0" cy="0"/>
+          <a:chOff x="0" y="0"/>
+          <a:chExt cx="0" cy="0"/>
+        </a:xfrm>
+      </p:grpSpPr>
+      <p:sp>
+        <p:nvSpPr>
+          <p:cNvPr id="2" name="Titel 1">
+            <a:extLst>
+              <a:ext uri="{FF2B5EF4-FFF2-40B4-BE49-F238E27FC236}">
+                <a16:creationId xmlns:a16="http://schemas.microsoft.com/office/drawing/2014/main" id="{5B50624E-0C0B-3644-908A-8F719701DDE6}"/>
+              </a:ext>
+            </a:extLst>
+          </p:cNvPr>
+          <p:cNvSpPr>
+            <a:spLocks noGrp="1"/>
+          </p:cNvSpPr>
+          <p:nvPr>
+            <p:ph type="title"/>
+          </p:nvPr>
+        </p:nvSpPr>
+        <p:spPr/>
+        <p:txBody>
+          <a:bodyPr/>
+          <a:lstStyle/>
+          <a:p>
+            <a:r>
+              <a:rPr lang="nl-BE" dirty="0"/>
+              <a:t>Q&amp;A</a:t>
+            </a:r>
+          </a:p>
+        </p:txBody>
+      </p:sp>
+      <p:sp>
+        <p:nvSpPr>
+          <p:cNvPr id="3" name="Tijdelijke aanduiding voor inhoud 2">
+            <a:extLst>
+              <a:ext uri="{FF2B5EF4-FFF2-40B4-BE49-F238E27FC236}">
+                <a16:creationId xmlns:a16="http://schemas.microsoft.com/office/drawing/2014/main" id="{4C611687-C32E-B949-AB0F-FDFFF788D0B2}"/>
+              </a:ext>
+            </a:extLst>
+          </p:cNvPr>
+          <p:cNvSpPr>
+            <a:spLocks noGrp="1"/>
+          </p:cNvSpPr>
+          <p:nvPr>
+            <p:ph idx="1"/>
+          </p:nvPr>
+        </p:nvSpPr>
+        <p:spPr/>
+        <p:txBody>
+          <a:bodyPr/>
+          <a:lstStyle/>
+          <a:p>
+            <a:pPr marL="0" indent="0">
+              <a:buNone/>
+            </a:pPr>
+            <a:endParaRPr lang="nl-BE" dirty="0"/>
+          </a:p>
+          <a:p>
+            <a:pPr marL="0" indent="0">
+              <a:buNone/>
+            </a:pPr>
+            <a:endParaRPr lang="nl-BE" dirty="0"/>
+          </a:p>
+          <a:p>
+            <a:pPr marL="0" indent="0">
+              <a:buNone/>
+            </a:pPr>
+            <a:endParaRPr lang="nl-BE" dirty="0"/>
+          </a:p>
+          <a:p>
+            <a:pPr marL="0" indent="0">
+              <a:buNone/>
+            </a:pPr>
+            <a:r>
+              <a:rPr lang="nl-BE" dirty="0"/>
+              <a:t>Thank you very much!</a:t>
+            </a:r>
+          </a:p>
+        </p:txBody>
+      </p:sp>
+      <p:sp>
+        <p:nvSpPr>
+          <p:cNvPr id="4" name="Tijdelijke aanduiding voor voettekst 3">
+            <a:extLst>
+              <a:ext uri="{FF2B5EF4-FFF2-40B4-BE49-F238E27FC236}">
+                <a16:creationId xmlns:a16="http://schemas.microsoft.com/office/drawing/2014/main" id="{0EFB78F8-2A44-2E43-A3E6-D7ACFD3E1E60}"/>
+              </a:ext>
+            </a:extLst>
+          </p:cNvPr>
+          <p:cNvSpPr>
+            <a:spLocks noGrp="1"/>
+          </p:cNvSpPr>
+          <p:nvPr>
+            <p:ph type="ftr" sz="quarter" idx="11"/>
+          </p:nvPr>
+        </p:nvSpPr>
+        <p:spPr/>
+        <p:txBody>
+          <a:bodyPr/>
+          <a:lstStyle/>
+          <a:p>
+            <a:r>
+              <a:rPr lang="en-US"/>
+              <a:t>Pauwel De Wilde - BeCode - Bauman 3.31</a:t>
+            </a:r>
+            <a:endParaRPr lang="en-US" dirty="0"/>
+          </a:p>
+        </p:txBody>
+      </p:sp>
+      <p:sp>
+        <p:nvSpPr>
+          <p:cNvPr id="5" name="Tijdelijke aanduiding voor dianummer 4">
+            <a:extLst>
+              <a:ext uri="{FF2B5EF4-FFF2-40B4-BE49-F238E27FC236}">
+                <a16:creationId xmlns:a16="http://schemas.microsoft.com/office/drawing/2014/main" id="{43B7B324-DBA0-1448-8BD9-2F3318DD5B51}"/>
+              </a:ext>
+            </a:extLst>
+          </p:cNvPr>
+          <p:cNvSpPr>
+            <a:spLocks noGrp="1"/>
+          </p:cNvSpPr>
+          <p:nvPr>
+            <p:ph type="sldNum" sz="quarter" idx="12"/>
+          </p:nvPr>
+        </p:nvSpPr>
+        <p:spPr/>
+        <p:txBody>
+          <a:bodyPr/>
+          <a:lstStyle/>
+          <a:p>
+            <a:fld id="{6D22F896-40B5-4ADD-8801-0D06FADFA095}" type="slidenum">
+              <a:rPr lang="en-US" smtClean="0"/>
+              <a:t>9</a:t>
+            </a:fld>
+            <a:endParaRPr lang="en-US" dirty="0"/>
+          </a:p>
+        </p:txBody>
+      </p:sp>
+    </p:spTree>
+    <p:extLst>
+      <p:ext uri="{BB962C8B-B14F-4D97-AF65-F5344CB8AC3E}">
+        <p14:creationId xmlns:p14="http://schemas.microsoft.com/office/powerpoint/2010/main" val="3268976836"/>
       </p:ext>
     </p:extLst>
   </p:cSld>

--- a/Bank Churners Demo.pptx
+++ b/Bank Churners Demo.pptx
@@ -13,10 +13,10 @@
     <p:sldId id="258" r:id="rId4"/>
     <p:sldId id="259" r:id="rId5"/>
     <p:sldId id="262" r:id="rId6"/>
-    <p:sldId id="261" r:id="rId7"/>
-    <p:sldId id="263" r:id="rId8"/>
-    <p:sldId id="260" r:id="rId9"/>
-    <p:sldId id="264" r:id="rId10"/>
+    <p:sldId id="264" r:id="rId7"/>
+    <p:sldId id="261" r:id="rId8"/>
+    <p:sldId id="263" r:id="rId9"/>
+    <p:sldId id="260" r:id="rId10"/>
   </p:sldIdLst>
   <p:sldSz cx="12192000" cy="6858000"/>
   <p:notesSz cx="6858000" cy="9144000"/>
@@ -4732,13 +4732,26 @@
             </a:pPr>
             <a:r>
               <a:rPr lang="nl-BE" dirty="0"/>
-              <a:t>	Eliminate factors without influence	</a:t>
+              <a:t>	Eliminate factors without influence</a:t>
             </a:r>
           </a:p>
           <a:p>
             <a:pPr marL="0" indent="0">
               <a:buNone/>
             </a:pPr>
+            <a:r>
+              <a:rPr lang="nl-BE" dirty="0"/>
+              <a:t>	Index = Client number</a:t>
+            </a:r>
+          </a:p>
+          <a:p>
+            <a:pPr marL="0" indent="0">
+              <a:buNone/>
+            </a:pPr>
+            <a:r>
+              <a:rPr lang="nl-BE"/>
+              <a:t>	Remove balancing</a:t>
+            </a:r>
             <a:endParaRPr lang="nl-BE" dirty="0"/>
           </a:p>
           <a:p>
@@ -4845,7 +4858,7 @@
           <p:cNvPr id="2" name="Titel 1">
             <a:extLst>
               <a:ext uri="{FF2B5EF4-FFF2-40B4-BE49-F238E27FC236}">
-                <a16:creationId xmlns:a16="http://schemas.microsoft.com/office/drawing/2014/main" id="{419211CB-5F2D-9141-A3CC-82CDA2CE619E}"/>
+                <a16:creationId xmlns:a16="http://schemas.microsoft.com/office/drawing/2014/main" id="{5B50624E-0C0B-3644-908A-8F719701DDE6}"/>
               </a:ext>
             </a:extLst>
           </p:cNvPr>
@@ -4863,7 +4876,7 @@
           <a:p>
             <a:r>
               <a:rPr lang="nl-BE" dirty="0"/>
-              <a:t>Issues to be solved</a:t>
+              <a:t>Q&amp;A</a:t>
             </a:r>
           </a:p>
         </p:txBody>
@@ -4873,7 +4886,7 @@
           <p:cNvPr id="3" name="Tijdelijke aanduiding voor inhoud 2">
             <a:extLst>
               <a:ext uri="{FF2B5EF4-FFF2-40B4-BE49-F238E27FC236}">
-                <a16:creationId xmlns:a16="http://schemas.microsoft.com/office/drawing/2014/main" id="{69254E7E-1BDF-A64E-874F-B2438DCFB163}"/>
+                <a16:creationId xmlns:a16="http://schemas.microsoft.com/office/drawing/2014/main" id="{4C611687-C32E-B949-AB0F-FDFFF788D0B2}"/>
               </a:ext>
             </a:extLst>
           </p:cNvPr>
@@ -4904,34 +4917,25 @@
             <a:pPr marL="0" indent="0">
               <a:buNone/>
             </a:pPr>
+            <a:endParaRPr lang="nl-BE" dirty="0"/>
+          </a:p>
+          <a:p>
+            <a:pPr marL="0" indent="0">
+              <a:buNone/>
+            </a:pPr>
             <a:r>
               <a:rPr lang="nl-BE" dirty="0"/>
-              <a:t>Docker: local time-out</a:t>
-            </a:r>
-          </a:p>
-          <a:p>
-            <a:pPr marL="0" indent="0">
-              <a:buNone/>
-            </a:pPr>
-            <a:endParaRPr lang="nl-BE" dirty="0"/>
-          </a:p>
-          <a:p>
-            <a:pPr marL="0" indent="0">
-              <a:buNone/>
-            </a:pPr>
-            <a:r>
-              <a:rPr lang="nl-BE" dirty="0"/>
-              <a:t>Heroku</a:t>
-            </a:r>
-          </a:p>
-        </p:txBody>
-      </p:sp>
-      <p:sp>
-        <p:nvSpPr>
-          <p:cNvPr id="6" name="Tijdelijke aanduiding voor voettekst 5">
+              <a:t>Thank you very much!</a:t>
+            </a:r>
+          </a:p>
+        </p:txBody>
+      </p:sp>
+      <p:sp>
+        <p:nvSpPr>
+          <p:cNvPr id="4" name="Tijdelijke aanduiding voor voettekst 3">
             <a:extLst>
               <a:ext uri="{FF2B5EF4-FFF2-40B4-BE49-F238E27FC236}">
-                <a16:creationId xmlns:a16="http://schemas.microsoft.com/office/drawing/2014/main" id="{4AFC9601-9B39-3B48-ABA9-69705CF10294}"/>
+                <a16:creationId xmlns:a16="http://schemas.microsoft.com/office/drawing/2014/main" id="{0EFB78F8-2A44-2E43-A3E6-D7ACFD3E1E60}"/>
               </a:ext>
             </a:extLst>
           </p:cNvPr>
@@ -4957,10 +4961,10 @@
       </p:sp>
       <p:sp>
         <p:nvSpPr>
-          <p:cNvPr id="7" name="Tijdelijke aanduiding voor dianummer 6">
+          <p:cNvPr id="5" name="Tijdelijke aanduiding voor dianummer 4">
             <a:extLst>
               <a:ext uri="{FF2B5EF4-FFF2-40B4-BE49-F238E27FC236}">
-                <a16:creationId xmlns:a16="http://schemas.microsoft.com/office/drawing/2014/main" id="{80A8E9C7-6001-C64D-A47A-3C772EA4B2C5}"/>
+                <a16:creationId xmlns:a16="http://schemas.microsoft.com/office/drawing/2014/main" id="{43B7B324-DBA0-1448-8BD9-2F3318DD5B51}"/>
               </a:ext>
             </a:extLst>
           </p:cNvPr>
@@ -4987,7 +4991,7 @@
     </p:spTree>
     <p:extLst>
       <p:ext uri="{BB962C8B-B14F-4D97-AF65-F5344CB8AC3E}">
-        <p14:creationId xmlns:p14="http://schemas.microsoft.com/office/powerpoint/2010/main" val="1509187873"/>
+        <p14:creationId xmlns:p14="http://schemas.microsoft.com/office/powerpoint/2010/main" val="3268976836"/>
       </p:ext>
     </p:extLst>
   </p:cSld>
@@ -5019,7 +5023,7 @@
           <p:cNvPr id="2" name="Titel 1">
             <a:extLst>
               <a:ext uri="{FF2B5EF4-FFF2-40B4-BE49-F238E27FC236}">
-                <a16:creationId xmlns:a16="http://schemas.microsoft.com/office/drawing/2014/main" id="{16DC750E-7800-7C4A-A398-A7C04DE66A0E}"/>
+                <a16:creationId xmlns:a16="http://schemas.microsoft.com/office/drawing/2014/main" id="{419211CB-5F2D-9141-A3CC-82CDA2CE619E}"/>
               </a:ext>
             </a:extLst>
           </p:cNvPr>
@@ -5037,46 +5041,75 @@
           <a:p>
             <a:r>
               <a:rPr lang="nl-BE" dirty="0"/>
-              <a:t>Heroku</a:t>
-            </a:r>
-          </a:p>
-        </p:txBody>
-      </p:sp>
-      <p:pic>
-        <p:nvPicPr>
-          <p:cNvPr id="7" name="Tijdelijke aanduiding voor inhoud 6">
+              <a:t>Issues to be solved</a:t>
+            </a:r>
+          </a:p>
+        </p:txBody>
+      </p:sp>
+      <p:sp>
+        <p:nvSpPr>
+          <p:cNvPr id="3" name="Tijdelijke aanduiding voor inhoud 2">
             <a:extLst>
               <a:ext uri="{FF2B5EF4-FFF2-40B4-BE49-F238E27FC236}">
-                <a16:creationId xmlns:a16="http://schemas.microsoft.com/office/drawing/2014/main" id="{E2BB372F-A254-9647-9702-8BCB8E769AA7}"/>
+                <a16:creationId xmlns:a16="http://schemas.microsoft.com/office/drawing/2014/main" id="{69254E7E-1BDF-A64E-874F-B2438DCFB163}"/>
               </a:ext>
             </a:extLst>
           </p:cNvPr>
-          <p:cNvPicPr>
-            <a:picLocks noGrp="1" noChangeAspect="1"/>
-          </p:cNvPicPr>
+          <p:cNvSpPr>
+            <a:spLocks noGrp="1"/>
+          </p:cNvSpPr>
           <p:nvPr>
             <p:ph idx="1"/>
           </p:nvPr>
-        </p:nvPicPr>
-        <p:blipFill>
-          <a:blip r:embed="rId2"/>
-          <a:stretch>
-            <a:fillRect/>
-          </a:stretch>
-        </p:blipFill>
-        <p:spPr>
-          <a:xfrm>
-            <a:off x="8573334" y="4331837"/>
-            <a:ext cx="2638626" cy="1684595"/>
-          </a:xfrm>
-        </p:spPr>
-      </p:pic>
-      <p:sp>
-        <p:nvSpPr>
-          <p:cNvPr id="4" name="Tijdelijke aanduiding voor voettekst 3">
+        </p:nvSpPr>
+        <p:spPr/>
+        <p:txBody>
+          <a:bodyPr/>
+          <a:lstStyle/>
+          <a:p>
+            <a:pPr marL="0" indent="0">
+              <a:buNone/>
+            </a:pPr>
+            <a:endParaRPr lang="nl-BE" dirty="0"/>
+          </a:p>
+          <a:p>
+            <a:pPr marL="0" indent="0">
+              <a:buNone/>
+            </a:pPr>
+            <a:endParaRPr lang="nl-BE" dirty="0"/>
+          </a:p>
+          <a:p>
+            <a:pPr marL="0" indent="0">
+              <a:buNone/>
+            </a:pPr>
+            <a:r>
+              <a:rPr lang="nl-BE" dirty="0"/>
+              <a:t>Docker: local time-out</a:t>
+            </a:r>
+          </a:p>
+          <a:p>
+            <a:pPr marL="0" indent="0">
+              <a:buNone/>
+            </a:pPr>
+            <a:endParaRPr lang="nl-BE" dirty="0"/>
+          </a:p>
+          <a:p>
+            <a:pPr marL="0" indent="0">
+              <a:buNone/>
+            </a:pPr>
+            <a:r>
+              <a:rPr lang="nl-BE" dirty="0"/>
+              <a:t>Heroku</a:t>
+            </a:r>
+          </a:p>
+        </p:txBody>
+      </p:sp>
+      <p:sp>
+        <p:nvSpPr>
+          <p:cNvPr id="6" name="Tijdelijke aanduiding voor voettekst 5">
             <a:extLst>
               <a:ext uri="{FF2B5EF4-FFF2-40B4-BE49-F238E27FC236}">
-                <a16:creationId xmlns:a16="http://schemas.microsoft.com/office/drawing/2014/main" id="{1C1C0986-F281-4048-BDAE-D44864759905}"/>
+                <a16:creationId xmlns:a16="http://schemas.microsoft.com/office/drawing/2014/main" id="{4AFC9601-9B39-3B48-ABA9-69705CF10294}"/>
               </a:ext>
             </a:extLst>
           </p:cNvPr>
@@ -5102,10 +5135,10 @@
       </p:sp>
       <p:sp>
         <p:nvSpPr>
-          <p:cNvPr id="5" name="Tijdelijke aanduiding voor dianummer 4">
+          <p:cNvPr id="7" name="Tijdelijke aanduiding voor dianummer 6">
             <a:extLst>
               <a:ext uri="{FF2B5EF4-FFF2-40B4-BE49-F238E27FC236}">
-                <a16:creationId xmlns:a16="http://schemas.microsoft.com/office/drawing/2014/main" id="{63166373-F718-C341-8544-31995E1F055B}"/>
+                <a16:creationId xmlns:a16="http://schemas.microsoft.com/office/drawing/2014/main" id="{80A8E9C7-6001-C64D-A47A-3C772EA4B2C5}"/>
               </a:ext>
             </a:extLst>
           </p:cNvPr>
@@ -5129,40 +5162,10 @@
           </a:p>
         </p:txBody>
       </p:sp>
-      <p:pic>
-        <p:nvPicPr>
-          <p:cNvPr id="9" name="Afbeelding 8">
-            <a:extLst>
-              <a:ext uri="{FF2B5EF4-FFF2-40B4-BE49-F238E27FC236}">
-                <a16:creationId xmlns:a16="http://schemas.microsoft.com/office/drawing/2014/main" id="{488B1578-7D47-5648-BAF6-581FF6CBCBC1}"/>
-              </a:ext>
-            </a:extLst>
-          </p:cNvPr>
-          <p:cNvPicPr>
-            <a:picLocks noChangeAspect="1"/>
-          </p:cNvPicPr>
-          <p:nvPr/>
-        </p:nvPicPr>
-        <p:blipFill>
-          <a:blip r:embed="rId3"/>
-          <a:stretch>
-            <a:fillRect/>
-          </a:stretch>
-        </p:blipFill>
-        <p:spPr>
-          <a:xfrm>
-            <a:off x="0" y="1919710"/>
-            <a:ext cx="12192000" cy="2376029"/>
-          </a:xfrm>
-          <a:prstGeom prst="rect">
-            <a:avLst/>
-          </a:prstGeom>
-        </p:spPr>
-      </p:pic>
     </p:spTree>
     <p:extLst>
       <p:ext uri="{BB962C8B-B14F-4D97-AF65-F5344CB8AC3E}">
-        <p14:creationId xmlns:p14="http://schemas.microsoft.com/office/powerpoint/2010/main" val="44132181"/>
+        <p14:creationId xmlns:p14="http://schemas.microsoft.com/office/powerpoint/2010/main" val="1509187873"/>
       </p:ext>
     </p:extLst>
   </p:cSld>
@@ -5194,7 +5197,7 @@
           <p:cNvPr id="2" name="Titel 1">
             <a:extLst>
               <a:ext uri="{FF2B5EF4-FFF2-40B4-BE49-F238E27FC236}">
-                <a16:creationId xmlns:a16="http://schemas.microsoft.com/office/drawing/2014/main" id="{07581307-6FCC-1441-91B3-109155771371}"/>
+                <a16:creationId xmlns:a16="http://schemas.microsoft.com/office/drawing/2014/main" id="{16DC750E-7800-7C4A-A398-A7C04DE66A0E}"/>
               </a:ext>
             </a:extLst>
           </p:cNvPr>
@@ -5212,17 +5215,17 @@
           <a:p>
             <a:r>
               <a:rPr lang="nl-BE" dirty="0"/>
-              <a:t>Probable solutions</a:t>
-            </a:r>
-          </a:p>
-        </p:txBody>
-      </p:sp>
-      <p:sp>
-        <p:nvSpPr>
-          <p:cNvPr id="3" name="Tijdelijke aanduiding voor inhoud 2">
+              <a:t>Heroku</a:t>
+            </a:r>
+          </a:p>
+        </p:txBody>
+      </p:sp>
+      <p:sp>
+        <p:nvSpPr>
+          <p:cNvPr id="4" name="Tijdelijke aanduiding voor voettekst 3">
             <a:extLst>
               <a:ext uri="{FF2B5EF4-FFF2-40B4-BE49-F238E27FC236}">
-                <a16:creationId xmlns:a16="http://schemas.microsoft.com/office/drawing/2014/main" id="{2E655FFB-BB25-1149-ACB0-E44C69F37307}"/>
+                <a16:creationId xmlns:a16="http://schemas.microsoft.com/office/drawing/2014/main" id="{1C1C0986-F281-4048-BDAE-D44864759905}"/>
               </a:ext>
             </a:extLst>
           </p:cNvPr>
@@ -5230,88 +5233,6 @@
             <a:spLocks noGrp="1"/>
           </p:cNvSpPr>
           <p:nvPr>
-            <p:ph idx="1"/>
-          </p:nvPr>
-        </p:nvSpPr>
-        <p:spPr/>
-        <p:txBody>
-          <a:bodyPr/>
-          <a:lstStyle/>
-          <a:p>
-            <a:pPr marL="0" indent="0">
-              <a:buNone/>
-            </a:pPr>
-            <a:r>
-              <a:rPr lang="nl-BE" dirty="0"/>
-              <a:t>Deployment:</a:t>
-            </a:r>
-          </a:p>
-          <a:p>
-            <a:pPr marL="0" indent="0">
-              <a:buNone/>
-            </a:pPr>
-            <a:r>
-              <a:rPr lang="nl-BE" dirty="0"/>
-              <a:t>	directly load joblib / yaml?</a:t>
-            </a:r>
-          </a:p>
-          <a:p>
-            <a:pPr marL="0" indent="0">
-              <a:buNone/>
-            </a:pPr>
-            <a:r>
-              <a:rPr lang="nl-BE" dirty="0"/>
-              <a:t>	dash?</a:t>
-            </a:r>
-          </a:p>
-          <a:p>
-            <a:pPr marL="0" indent="0">
-              <a:buNone/>
-            </a:pPr>
-            <a:endParaRPr lang="nl-BE" dirty="0"/>
-          </a:p>
-          <a:p>
-            <a:pPr marL="0" indent="0">
-              <a:buNone/>
-            </a:pPr>
-            <a:r>
-              <a:rPr lang="nl-BE" dirty="0"/>
-              <a:t>Programming:</a:t>
-            </a:r>
-          </a:p>
-          <a:p>
-            <a:pPr marL="0" indent="0">
-              <a:buNone/>
-            </a:pPr>
-            <a:r>
-              <a:rPr lang="nl-BE" dirty="0"/>
-              <a:t>	drop SHAP values, serialize, …</a:t>
-            </a:r>
-          </a:p>
-          <a:p>
-            <a:pPr marL="0" indent="0">
-              <a:buNone/>
-            </a:pPr>
-            <a:r>
-              <a:rPr lang="nl-BE" dirty="0"/>
-              <a:t>	Save the cleaned database seperately and load</a:t>
-            </a:r>
-          </a:p>
-        </p:txBody>
-      </p:sp>
-      <p:sp>
-        <p:nvSpPr>
-          <p:cNvPr id="4" name="Tijdelijke aanduiding voor voettekst 3">
-            <a:extLst>
-              <a:ext uri="{FF2B5EF4-FFF2-40B4-BE49-F238E27FC236}">
-                <a16:creationId xmlns:a16="http://schemas.microsoft.com/office/drawing/2014/main" id="{F6311DFB-CECF-6648-82C6-12C6896D6A04}"/>
-              </a:ext>
-            </a:extLst>
-          </p:cNvPr>
-          <p:cNvSpPr>
-            <a:spLocks noGrp="1"/>
-          </p:cNvSpPr>
-          <p:nvPr>
             <p:ph type="ftr" sz="quarter" idx="11"/>
           </p:nvPr>
         </p:nvSpPr>
@@ -5333,7 +5254,7 @@
           <p:cNvPr id="5" name="Tijdelijke aanduiding voor dianummer 4">
             <a:extLst>
               <a:ext uri="{FF2B5EF4-FFF2-40B4-BE49-F238E27FC236}">
-                <a16:creationId xmlns:a16="http://schemas.microsoft.com/office/drawing/2014/main" id="{FDF9A877-B6BA-3B4D-907E-AC8AAA4D1A06}"/>
+                <a16:creationId xmlns:a16="http://schemas.microsoft.com/office/drawing/2014/main" id="{63166373-F718-C341-8544-31995E1F055B}"/>
               </a:ext>
             </a:extLst>
           </p:cNvPr>
@@ -5357,10 +5278,69 @@
           </a:p>
         </p:txBody>
       </p:sp>
+      <p:pic>
+        <p:nvPicPr>
+          <p:cNvPr id="9" name="Afbeelding 8">
+            <a:extLst>
+              <a:ext uri="{FF2B5EF4-FFF2-40B4-BE49-F238E27FC236}">
+                <a16:creationId xmlns:a16="http://schemas.microsoft.com/office/drawing/2014/main" id="{488B1578-7D47-5648-BAF6-581FF6CBCBC1}"/>
+              </a:ext>
+            </a:extLst>
+          </p:cNvPr>
+          <p:cNvPicPr>
+            <a:picLocks noChangeAspect="1"/>
+          </p:cNvPicPr>
+          <p:nvPr/>
+        </p:nvPicPr>
+        <p:blipFill>
+          <a:blip r:embed="rId2"/>
+          <a:stretch>
+            <a:fillRect/>
+          </a:stretch>
+        </p:blipFill>
+        <p:spPr>
+          <a:xfrm>
+            <a:off x="0" y="1919710"/>
+            <a:ext cx="12192000" cy="2376029"/>
+          </a:xfrm>
+          <a:prstGeom prst="rect">
+            <a:avLst/>
+          </a:prstGeom>
+        </p:spPr>
+      </p:pic>
+      <p:pic>
+        <p:nvPicPr>
+          <p:cNvPr id="7" name="Tijdelijke aanduiding voor inhoud 6">
+            <a:extLst>
+              <a:ext uri="{FF2B5EF4-FFF2-40B4-BE49-F238E27FC236}">
+                <a16:creationId xmlns:a16="http://schemas.microsoft.com/office/drawing/2014/main" id="{E2BB372F-A254-9647-9702-8BCB8E769AA7}"/>
+              </a:ext>
+            </a:extLst>
+          </p:cNvPr>
+          <p:cNvPicPr>
+            <a:picLocks noGrp="1" noChangeAspect="1"/>
+          </p:cNvPicPr>
+          <p:nvPr>
+            <p:ph idx="1"/>
+          </p:nvPr>
+        </p:nvPicPr>
+        <p:blipFill>
+          <a:blip r:embed="rId3"/>
+          <a:stretch>
+            <a:fillRect/>
+          </a:stretch>
+        </p:blipFill>
+        <p:spPr>
+          <a:xfrm>
+            <a:off x="6698627" y="3134957"/>
+            <a:ext cx="4513333" cy="2881476"/>
+          </a:xfrm>
+        </p:spPr>
+      </p:pic>
     </p:spTree>
     <p:extLst>
       <p:ext uri="{BB962C8B-B14F-4D97-AF65-F5344CB8AC3E}">
-        <p14:creationId xmlns:p14="http://schemas.microsoft.com/office/powerpoint/2010/main" val="3194010691"/>
+        <p14:creationId xmlns:p14="http://schemas.microsoft.com/office/powerpoint/2010/main" val="44132181"/>
       </p:ext>
     </p:extLst>
   </p:cSld>
@@ -5392,7 +5372,7 @@
           <p:cNvPr id="2" name="Titel 1">
             <a:extLst>
               <a:ext uri="{FF2B5EF4-FFF2-40B4-BE49-F238E27FC236}">
-                <a16:creationId xmlns:a16="http://schemas.microsoft.com/office/drawing/2014/main" id="{5B50624E-0C0B-3644-908A-8F719701DDE6}"/>
+                <a16:creationId xmlns:a16="http://schemas.microsoft.com/office/drawing/2014/main" id="{07581307-6FCC-1441-91B3-109155771371}"/>
               </a:ext>
             </a:extLst>
           </p:cNvPr>
@@ -5410,7 +5390,7 @@
           <a:p>
             <a:r>
               <a:rPr lang="nl-BE" dirty="0"/>
-              <a:t>Q&amp;A</a:t>
+              <a:t>Probable solutions</a:t>
             </a:r>
           </a:p>
         </p:txBody>
@@ -5420,7 +5400,7 @@
           <p:cNvPr id="3" name="Tijdelijke aanduiding voor inhoud 2">
             <a:extLst>
               <a:ext uri="{FF2B5EF4-FFF2-40B4-BE49-F238E27FC236}">
-                <a16:creationId xmlns:a16="http://schemas.microsoft.com/office/drawing/2014/main" id="{4C611687-C32E-B949-AB0F-FDFFF788D0B2}"/>
+                <a16:creationId xmlns:a16="http://schemas.microsoft.com/office/drawing/2014/main" id="{2E655FFB-BB25-1149-ACB0-E44C69F37307}"/>
               </a:ext>
             </a:extLst>
           </p:cNvPr>
@@ -5433,25 +5413,36 @@
         </p:nvSpPr>
         <p:spPr/>
         <p:txBody>
-          <a:bodyPr/>
+          <a:bodyPr>
+            <a:normAutofit/>
+          </a:bodyPr>
           <a:lstStyle/>
           <a:p>
             <a:pPr marL="0" indent="0">
               <a:buNone/>
             </a:pPr>
-            <a:endParaRPr lang="nl-BE" dirty="0"/>
+            <a:r>
+              <a:rPr lang="nl-BE" dirty="0"/>
+              <a:t>Deployment:</a:t>
+            </a:r>
           </a:p>
           <a:p>
             <a:pPr marL="0" indent="0">
               <a:buNone/>
             </a:pPr>
-            <a:endParaRPr lang="nl-BE" dirty="0"/>
+            <a:r>
+              <a:rPr lang="nl-BE" dirty="0"/>
+              <a:t>	directly load joblib / yaml?</a:t>
+            </a:r>
           </a:p>
           <a:p>
             <a:pPr marL="0" indent="0">
               <a:buNone/>
             </a:pPr>
-            <a:endParaRPr lang="nl-BE" dirty="0"/>
+            <a:r>
+              <a:rPr lang="nl-BE" dirty="0"/>
+              <a:t>	dash?</a:t>
+            </a:r>
           </a:p>
           <a:p>
             <a:pPr marL="0" indent="0">
@@ -5459,7 +5450,34 @@
             </a:pPr>
             <a:r>
               <a:rPr lang="nl-BE" dirty="0"/>
-              <a:t>Thank you very much!</a:t>
+              <a:t>	pay for Heroku?</a:t>
+            </a:r>
+          </a:p>
+          <a:p>
+            <a:pPr marL="0" indent="0">
+              <a:buNone/>
+            </a:pPr>
+            <a:r>
+              <a:rPr lang="nl-BE" dirty="0"/>
+              <a:t>Programming:</a:t>
+            </a:r>
+          </a:p>
+          <a:p>
+            <a:pPr marL="0" indent="0">
+              <a:buNone/>
+            </a:pPr>
+            <a:r>
+              <a:rPr lang="nl-BE" dirty="0"/>
+              <a:t>	drop SHAP values, serialize, …</a:t>
+            </a:r>
+          </a:p>
+          <a:p>
+            <a:pPr marL="0" indent="0">
+              <a:buNone/>
+            </a:pPr>
+            <a:r>
+              <a:rPr lang="nl-BE" dirty="0"/>
+              <a:t>	Save the cleaned database seperately and load</a:t>
             </a:r>
           </a:p>
         </p:txBody>
@@ -5469,7 +5487,7 @@
           <p:cNvPr id="4" name="Tijdelijke aanduiding voor voettekst 3">
             <a:extLst>
               <a:ext uri="{FF2B5EF4-FFF2-40B4-BE49-F238E27FC236}">
-                <a16:creationId xmlns:a16="http://schemas.microsoft.com/office/drawing/2014/main" id="{0EFB78F8-2A44-2E43-A3E6-D7ACFD3E1E60}"/>
+                <a16:creationId xmlns:a16="http://schemas.microsoft.com/office/drawing/2014/main" id="{F6311DFB-CECF-6648-82C6-12C6896D6A04}"/>
               </a:ext>
             </a:extLst>
           </p:cNvPr>
@@ -5498,7 +5516,7 @@
           <p:cNvPr id="5" name="Tijdelijke aanduiding voor dianummer 4">
             <a:extLst>
               <a:ext uri="{FF2B5EF4-FFF2-40B4-BE49-F238E27FC236}">
-                <a16:creationId xmlns:a16="http://schemas.microsoft.com/office/drawing/2014/main" id="{43B7B324-DBA0-1448-8BD9-2F3318DD5B51}"/>
+                <a16:creationId xmlns:a16="http://schemas.microsoft.com/office/drawing/2014/main" id="{FDF9A877-B6BA-3B4D-907E-AC8AAA4D1A06}"/>
               </a:ext>
             </a:extLst>
           </p:cNvPr>
@@ -5525,7 +5543,7 @@
     </p:spTree>
     <p:extLst>
       <p:ext uri="{BB962C8B-B14F-4D97-AF65-F5344CB8AC3E}">
-        <p14:creationId xmlns:p14="http://schemas.microsoft.com/office/powerpoint/2010/main" val="3268976836"/>
+        <p14:creationId xmlns:p14="http://schemas.microsoft.com/office/powerpoint/2010/main" val="3194010691"/>
       </p:ext>
     </p:extLst>
   </p:cSld>

--- a/Bank Churners Demo.pptx
+++ b/Bank Churners Demo.pptx
@@ -115,6 +115,11 @@
       </a:defRPr>
     </a:lvl9pPr>
   </p:defaultTextStyle>
+  <p:extLst>
+    <p:ext uri="{EFAFB233-063F-42B5-8137-9DF3F51BA10A}">
+      <p15:sldGuideLst xmlns:p15="http://schemas.microsoft.com/office/powerpoint/2012/main"/>
+    </p:ext>
+  </p:extLst>
 </p:presentation>
 </file>
 
